--- a/famireco.pptx
+++ b/famireco.pptx
@@ -244,7 +244,7 @@
           <a:p>
             <a:fld id="{5197FAAC-D353-4A5F-8649-8CFFD6323072}" type="datetimeFigureOut">
               <a:rPr kumimoji="1" lang="ja-JP" altLang="en-US" smtClean="0"/>
-              <a:t>2015/6/10</a:t>
+              <a:t>2015/6/11</a:t>
             </a:fld>
             <a:endParaRPr kumimoji="1" lang="ja-JP" altLang="en-US"/>
           </a:p>
@@ -446,7 +446,7 @@
           <a:p>
             <a:fld id="{5197FAAC-D353-4A5F-8649-8CFFD6323072}" type="datetimeFigureOut">
               <a:rPr kumimoji="1" lang="ja-JP" altLang="en-US" smtClean="0"/>
-              <a:t>2015/6/10</a:t>
+              <a:t>2015/6/11</a:t>
             </a:fld>
             <a:endParaRPr kumimoji="1" lang="ja-JP" altLang="en-US"/>
           </a:p>
@@ -658,7 +658,7 @@
           <a:p>
             <a:fld id="{5197FAAC-D353-4A5F-8649-8CFFD6323072}" type="datetimeFigureOut">
               <a:rPr kumimoji="1" lang="ja-JP" altLang="en-US" smtClean="0"/>
-              <a:t>2015/6/10</a:t>
+              <a:t>2015/6/11</a:t>
             </a:fld>
             <a:endParaRPr kumimoji="1" lang="ja-JP" altLang="en-US"/>
           </a:p>
@@ -860,7 +860,7 @@
           <a:p>
             <a:fld id="{5197FAAC-D353-4A5F-8649-8CFFD6323072}" type="datetimeFigureOut">
               <a:rPr kumimoji="1" lang="ja-JP" altLang="en-US" smtClean="0"/>
-              <a:t>2015/6/10</a:t>
+              <a:t>2015/6/11</a:t>
             </a:fld>
             <a:endParaRPr kumimoji="1" lang="ja-JP" altLang="en-US"/>
           </a:p>
@@ -1106,7 +1106,7 @@
           <a:p>
             <a:fld id="{5197FAAC-D353-4A5F-8649-8CFFD6323072}" type="datetimeFigureOut">
               <a:rPr kumimoji="1" lang="ja-JP" altLang="en-US" smtClean="0"/>
-              <a:t>2015/6/10</a:t>
+              <a:t>2015/6/11</a:t>
             </a:fld>
             <a:endParaRPr kumimoji="1" lang="ja-JP" altLang="en-US"/>
           </a:p>
@@ -1402,7 +1402,7 @@
           <a:p>
             <a:fld id="{5197FAAC-D353-4A5F-8649-8CFFD6323072}" type="datetimeFigureOut">
               <a:rPr kumimoji="1" lang="ja-JP" altLang="en-US" smtClean="0"/>
-              <a:t>2015/6/10</a:t>
+              <a:t>2015/6/11</a:t>
             </a:fld>
             <a:endParaRPr kumimoji="1" lang="ja-JP" altLang="en-US"/>
           </a:p>
@@ -1833,7 +1833,7 @@
           <a:p>
             <a:fld id="{5197FAAC-D353-4A5F-8649-8CFFD6323072}" type="datetimeFigureOut">
               <a:rPr kumimoji="1" lang="ja-JP" altLang="en-US" smtClean="0"/>
-              <a:t>2015/6/10</a:t>
+              <a:t>2015/6/11</a:t>
             </a:fld>
             <a:endParaRPr kumimoji="1" lang="ja-JP" altLang="en-US"/>
           </a:p>
@@ -1951,7 +1951,7 @@
           <a:p>
             <a:fld id="{5197FAAC-D353-4A5F-8649-8CFFD6323072}" type="datetimeFigureOut">
               <a:rPr kumimoji="1" lang="ja-JP" altLang="en-US" smtClean="0"/>
-              <a:t>2015/6/10</a:t>
+              <a:t>2015/6/11</a:t>
             </a:fld>
             <a:endParaRPr kumimoji="1" lang="ja-JP" altLang="en-US"/>
           </a:p>
@@ -2046,7 +2046,7 @@
           <a:p>
             <a:fld id="{5197FAAC-D353-4A5F-8649-8CFFD6323072}" type="datetimeFigureOut">
               <a:rPr kumimoji="1" lang="ja-JP" altLang="en-US" smtClean="0"/>
-              <a:t>2015/6/10</a:t>
+              <a:t>2015/6/11</a:t>
             </a:fld>
             <a:endParaRPr kumimoji="1" lang="ja-JP" altLang="en-US"/>
           </a:p>
@@ -2355,7 +2355,7 @@
           <a:p>
             <a:fld id="{5197FAAC-D353-4A5F-8649-8CFFD6323072}" type="datetimeFigureOut">
               <a:rPr kumimoji="1" lang="ja-JP" altLang="en-US" smtClean="0"/>
-              <a:t>2015/6/10</a:t>
+              <a:t>2015/6/11</a:t>
             </a:fld>
             <a:endParaRPr kumimoji="1" lang="ja-JP" altLang="en-US"/>
           </a:p>
@@ -2608,7 +2608,7 @@
           <a:p>
             <a:fld id="{5197FAAC-D353-4A5F-8649-8CFFD6323072}" type="datetimeFigureOut">
               <a:rPr kumimoji="1" lang="ja-JP" altLang="en-US" smtClean="0"/>
-              <a:t>2015/6/10</a:t>
+              <a:t>2015/6/11</a:t>
             </a:fld>
             <a:endParaRPr kumimoji="1" lang="ja-JP" altLang="en-US"/>
           </a:p>
@@ -2853,7 +2853,7 @@
           <a:p>
             <a:fld id="{5197FAAC-D353-4A5F-8649-8CFFD6323072}" type="datetimeFigureOut">
               <a:rPr kumimoji="1" lang="ja-JP" altLang="en-US" smtClean="0"/>
-              <a:t>2015/6/10</a:t>
+              <a:t>2015/6/11</a:t>
             </a:fld>
             <a:endParaRPr kumimoji="1" lang="ja-JP" altLang="en-US"/>
           </a:p>
@@ -3273,7 +3273,7 @@
             <a:avLst/>
           </a:prstGeom>
           <a:solidFill>
-            <a:schemeClr val="accent6">
+            <a:schemeClr val="accent2">
               <a:lumMod val="20000"/>
               <a:lumOff val="80000"/>
             </a:schemeClr>
@@ -3309,7 +3309,7 @@
       </p:sp>
       <p:sp>
         <p:nvSpPr>
-          <p:cNvPr id="77" name="フリーフォーム 76"/>
+          <p:cNvPr id="19" name="フリーフォーム 18"/>
           <p:cNvSpPr/>
           <p:nvPr/>
         </p:nvSpPr>
@@ -3322,21 +3322,21 @@
             <a:avLst/>
             <a:gdLst>
               <a:gd name="connsiteX0" fmla="*/ 1795163 w 5226510"/>
-              <a:gd name="connsiteY0" fmla="*/ 2231720 h 4188668"/>
+              <a:gd name="connsiteY0" fmla="*/ 2337391 h 4188668"/>
               <a:gd name="connsiteX1" fmla="*/ 2461415 w 5226510"/>
-              <a:gd name="connsiteY1" fmla="*/ 2231720 h 4188668"/>
+              <a:gd name="connsiteY1" fmla="*/ 2337391 h 4188668"/>
               <a:gd name="connsiteX2" fmla="*/ 2461415 w 5226510"/>
               <a:gd name="connsiteY2" fmla="*/ 4188668 h 4188668"/>
               <a:gd name="connsiteX3" fmla="*/ 1795163 w 5226510"/>
               <a:gd name="connsiteY3" fmla="*/ 3522416 h 4188668"/>
-              <a:gd name="connsiteX4" fmla="*/ 2421333 w 5226510"/>
-              <a:gd name="connsiteY4" fmla="*/ 1077923 h 4188668"/>
+              <a:gd name="connsiteX4" fmla="*/ 2512381 w 5226510"/>
+              <a:gd name="connsiteY4" fmla="*/ 986875 h 4188668"/>
               <a:gd name="connsiteX5" fmla="*/ 3499257 w 5226510"/>
               <a:gd name="connsiteY5" fmla="*/ 0 h 4188668"/>
               <a:gd name="connsiteX6" fmla="*/ 3970368 w 5226510"/>
               <a:gd name="connsiteY6" fmla="*/ 471111 h 4188668"/>
-              <a:gd name="connsiteX7" fmla="*/ 3363556 w 5226510"/>
-              <a:gd name="connsiteY7" fmla="*/ 1077923 h 4188668"/>
+              <a:gd name="connsiteX7" fmla="*/ 3454604 w 5226510"/>
+              <a:gd name="connsiteY7" fmla="*/ 986875 h 4188668"/>
               <a:gd name="connsiteX8" fmla="*/ 0 w 5226510"/>
               <a:gd name="connsiteY8" fmla="*/ 1727253 h 4188668"/>
               <a:gd name="connsiteX9" fmla="*/ 274141 w 5226510"/>
@@ -3399,10 +3399,10 @@
             <a:pathLst>
               <a:path w="5226510" h="4188668">
                 <a:moveTo>
-                  <a:pt x="1795163" y="2231720"/>
+                  <a:pt x="1795163" y="2337391"/>
                 </a:moveTo>
                 <a:lnTo>
-                  <a:pt x="2461415" y="2231720"/>
+                  <a:pt x="2461415" y="2337391"/>
                 </a:lnTo>
                 <a:lnTo>
                   <a:pt x="2461415" y="4188668"/>
@@ -3412,7 +3412,7 @@
                 </a:lnTo>
                 <a:close/>
                 <a:moveTo>
-                  <a:pt x="2421333" y="1077923"/>
+                  <a:pt x="2512381" y="986875"/>
                 </a:moveTo>
                 <a:lnTo>
                   <a:pt x="3499257" y="0"/>
@@ -3421,7 +3421,7 @@
                   <a:pt x="3970368" y="471111"/>
                 </a:lnTo>
                 <a:lnTo>
-                  <a:pt x="3363556" y="1077923"/>
+                  <a:pt x="3454604" y="986875"/>
                 </a:lnTo>
                 <a:close/>
                 <a:moveTo>
@@ -3447,10 +3447,7 @@
             </a:pathLst>
           </a:custGeom>
           <a:solidFill>
-            <a:schemeClr val="accent1">
-              <a:lumMod val="60000"/>
-              <a:lumOff val="40000"/>
-            </a:schemeClr>
+            <a:srgbClr val="F2A6A6"/>
           </a:solidFill>
           <a:ln>
             <a:noFill/>
@@ -3473,7 +3470,9 @@
           </a:fontRef>
         </p:style>
         <p:txBody>
-          <a:bodyPr rtlCol="0" anchor="ctr"/>
+          <a:bodyPr wrap="square" rtlCol="0" anchor="ctr">
+            <a:noAutofit/>
+          </a:bodyPr>
           <a:lstStyle/>
           <a:p>
             <a:pPr algn="ctr"/>
@@ -3635,7 +3634,7 @@
             </a:pathLst>
           </a:custGeom>
           <a:solidFill>
-            <a:srgbClr val="FFC000"/>
+            <a:srgbClr val="800000"/>
           </a:solidFill>
           <a:ln>
             <a:noFill/>
@@ -3666,334 +3665,6 @@
           </a:p>
         </p:txBody>
       </p:sp>
-      <p:grpSp>
-        <p:nvGrpSpPr>
-          <p:cNvPr id="85" name="グループ化 84"/>
-          <p:cNvGrpSpPr/>
-          <p:nvPr/>
-        </p:nvGrpSpPr>
-        <p:grpSpPr>
-          <a:xfrm>
-            <a:off x="5314122" y="2475573"/>
-            <a:ext cx="2332624" cy="2001177"/>
-            <a:chOff x="4832099" y="1209175"/>
-            <a:chExt cx="1284536" cy="1124950"/>
-          </a:xfrm>
-          <a:solidFill>
-            <a:schemeClr val="bg2">
-              <a:lumMod val="25000"/>
-            </a:schemeClr>
-          </a:solidFill>
-        </p:grpSpPr>
-        <p:sp>
-          <p:nvSpPr>
-            <p:cNvPr id="78" name="円/楕円 77"/>
-            <p:cNvSpPr/>
-            <p:nvPr/>
-          </p:nvSpPr>
-          <p:spPr>
-            <a:xfrm>
-              <a:off x="5017168" y="1768641"/>
-              <a:ext cx="565484" cy="565484"/>
-            </a:xfrm>
-            <a:prstGeom prst="ellipse">
-              <a:avLst/>
-            </a:prstGeom>
-            <a:grpFill/>
-            <a:ln>
-              <a:noFill/>
-            </a:ln>
-          </p:spPr>
-          <p:style>
-            <a:lnRef idx="2">
-              <a:schemeClr val="accent1">
-                <a:shade val="50000"/>
-              </a:schemeClr>
-            </a:lnRef>
-            <a:fillRef idx="1">
-              <a:schemeClr val="accent1"/>
-            </a:fillRef>
-            <a:effectRef idx="0">
-              <a:schemeClr val="accent1"/>
-            </a:effectRef>
-            <a:fontRef idx="minor">
-              <a:schemeClr val="lt1"/>
-            </a:fontRef>
-          </p:style>
-          <p:txBody>
-            <a:bodyPr rtlCol="0" anchor="ctr"/>
-            <a:lstStyle/>
-            <a:p>
-              <a:pPr algn="ctr"/>
-              <a:endParaRPr kumimoji="1" lang="ja-JP" altLang="en-US"/>
-            </a:p>
-          </p:txBody>
-        </p:sp>
-        <p:sp>
-          <p:nvSpPr>
-            <p:cNvPr id="79" name="円/楕円 78"/>
-            <p:cNvSpPr/>
-            <p:nvPr/>
-          </p:nvSpPr>
-          <p:spPr>
-            <a:xfrm>
-              <a:off x="5354050" y="1768641"/>
-              <a:ext cx="565484" cy="565484"/>
-            </a:xfrm>
-            <a:prstGeom prst="ellipse">
-              <a:avLst/>
-            </a:prstGeom>
-            <a:grpFill/>
-            <a:ln>
-              <a:noFill/>
-            </a:ln>
-          </p:spPr>
-          <p:style>
-            <a:lnRef idx="2">
-              <a:schemeClr val="accent1">
-                <a:shade val="50000"/>
-              </a:schemeClr>
-            </a:lnRef>
-            <a:fillRef idx="1">
-              <a:schemeClr val="accent1"/>
-            </a:fillRef>
-            <a:effectRef idx="0">
-              <a:schemeClr val="accent1"/>
-            </a:effectRef>
-            <a:fontRef idx="minor">
-              <a:schemeClr val="lt1"/>
-            </a:fontRef>
-          </p:style>
-          <p:txBody>
-            <a:bodyPr rtlCol="0" anchor="ctr"/>
-            <a:lstStyle/>
-            <a:p>
-              <a:pPr algn="ctr"/>
-              <a:endParaRPr kumimoji="1" lang="ja-JP" altLang="en-US"/>
-            </a:p>
-          </p:txBody>
-        </p:sp>
-        <p:sp>
-          <p:nvSpPr>
-            <p:cNvPr id="80" name="円/楕円 79"/>
-            <p:cNvSpPr/>
-            <p:nvPr/>
-          </p:nvSpPr>
-          <p:spPr>
-            <a:xfrm>
-              <a:off x="5191625" y="1582155"/>
-              <a:ext cx="565484" cy="565484"/>
-            </a:xfrm>
-            <a:prstGeom prst="ellipse">
-              <a:avLst/>
-            </a:prstGeom>
-            <a:grpFill/>
-            <a:ln>
-              <a:noFill/>
-            </a:ln>
-          </p:spPr>
-          <p:style>
-            <a:lnRef idx="2">
-              <a:schemeClr val="accent1">
-                <a:shade val="50000"/>
-              </a:schemeClr>
-            </a:lnRef>
-            <a:fillRef idx="1">
-              <a:schemeClr val="accent1"/>
-            </a:fillRef>
-            <a:effectRef idx="0">
-              <a:schemeClr val="accent1"/>
-            </a:effectRef>
-            <a:fontRef idx="minor">
-              <a:schemeClr val="lt1"/>
-            </a:fontRef>
-          </p:style>
-          <p:txBody>
-            <a:bodyPr rtlCol="0" anchor="ctr"/>
-            <a:lstStyle/>
-            <a:p>
-              <a:pPr algn="ctr"/>
-              <a:endParaRPr kumimoji="1" lang="ja-JP" altLang="en-US"/>
-            </a:p>
-          </p:txBody>
-        </p:sp>
-        <p:sp>
-          <p:nvSpPr>
-            <p:cNvPr id="81" name="円/楕円 80"/>
-            <p:cNvSpPr/>
-            <p:nvPr/>
-          </p:nvSpPr>
-          <p:spPr>
-            <a:xfrm rot="-1200000">
-              <a:off x="4832099" y="1470788"/>
-              <a:ext cx="240634" cy="360000"/>
-            </a:xfrm>
-            <a:prstGeom prst="ellipse">
-              <a:avLst/>
-            </a:prstGeom>
-            <a:grpFill/>
-            <a:ln>
-              <a:noFill/>
-            </a:ln>
-          </p:spPr>
-          <p:style>
-            <a:lnRef idx="2">
-              <a:schemeClr val="accent1">
-                <a:shade val="50000"/>
-              </a:schemeClr>
-            </a:lnRef>
-            <a:fillRef idx="1">
-              <a:schemeClr val="accent1"/>
-            </a:fillRef>
-            <a:effectRef idx="0">
-              <a:schemeClr val="accent1"/>
-            </a:effectRef>
-            <a:fontRef idx="minor">
-              <a:schemeClr val="lt1"/>
-            </a:fontRef>
-          </p:style>
-          <p:txBody>
-            <a:bodyPr rtlCol="0" anchor="ctr"/>
-            <a:lstStyle/>
-            <a:p>
-              <a:pPr algn="ctr"/>
-              <a:endParaRPr kumimoji="1" lang="ja-JP" altLang="en-US"/>
-            </a:p>
-          </p:txBody>
-        </p:sp>
-        <p:sp>
-          <p:nvSpPr>
-            <p:cNvPr id="82" name="円/楕円 81"/>
-            <p:cNvSpPr/>
-            <p:nvPr/>
-          </p:nvSpPr>
-          <p:spPr>
-            <a:xfrm>
-              <a:off x="5143490" y="1209175"/>
-              <a:ext cx="240634" cy="360000"/>
-            </a:xfrm>
-            <a:prstGeom prst="ellipse">
-              <a:avLst/>
-            </a:prstGeom>
-            <a:grpFill/>
-            <a:ln>
-              <a:noFill/>
-            </a:ln>
-          </p:spPr>
-          <p:style>
-            <a:lnRef idx="2">
-              <a:schemeClr val="accent1">
-                <a:shade val="50000"/>
-              </a:schemeClr>
-            </a:lnRef>
-            <a:fillRef idx="1">
-              <a:schemeClr val="accent1"/>
-            </a:fillRef>
-            <a:effectRef idx="0">
-              <a:schemeClr val="accent1"/>
-            </a:effectRef>
-            <a:fontRef idx="minor">
-              <a:schemeClr val="lt1"/>
-            </a:fontRef>
-          </p:style>
-          <p:txBody>
-            <a:bodyPr rtlCol="0" anchor="ctr"/>
-            <a:lstStyle/>
-            <a:p>
-              <a:pPr algn="ctr"/>
-              <a:endParaRPr kumimoji="1" lang="ja-JP" altLang="en-US"/>
-            </a:p>
-          </p:txBody>
-        </p:sp>
-        <p:sp>
-          <p:nvSpPr>
-            <p:cNvPr id="83" name="円/楕円 82"/>
-            <p:cNvSpPr/>
-            <p:nvPr/>
-          </p:nvSpPr>
-          <p:spPr>
-            <a:xfrm>
-              <a:off x="5558581" y="1209175"/>
-              <a:ext cx="240634" cy="360000"/>
-            </a:xfrm>
-            <a:prstGeom prst="ellipse">
-              <a:avLst/>
-            </a:prstGeom>
-            <a:grpFill/>
-            <a:ln>
-              <a:noFill/>
-            </a:ln>
-          </p:spPr>
-          <p:style>
-            <a:lnRef idx="2">
-              <a:schemeClr val="accent1">
-                <a:shade val="50000"/>
-              </a:schemeClr>
-            </a:lnRef>
-            <a:fillRef idx="1">
-              <a:schemeClr val="accent1"/>
-            </a:fillRef>
-            <a:effectRef idx="0">
-              <a:schemeClr val="accent1"/>
-            </a:effectRef>
-            <a:fontRef idx="minor">
-              <a:schemeClr val="lt1"/>
-            </a:fontRef>
-          </p:style>
-          <p:txBody>
-            <a:bodyPr rtlCol="0" anchor="ctr"/>
-            <a:lstStyle/>
-            <a:p>
-              <a:pPr algn="ctr"/>
-              <a:endParaRPr kumimoji="1" lang="ja-JP" altLang="en-US"/>
-            </a:p>
-          </p:txBody>
-        </p:sp>
-        <p:sp>
-          <p:nvSpPr>
-            <p:cNvPr id="84" name="円/楕円 83"/>
-            <p:cNvSpPr/>
-            <p:nvPr/>
-          </p:nvSpPr>
-          <p:spPr>
-            <a:xfrm rot="1200000">
-              <a:off x="5876001" y="1482820"/>
-              <a:ext cx="240634" cy="360000"/>
-            </a:xfrm>
-            <a:prstGeom prst="ellipse">
-              <a:avLst/>
-            </a:prstGeom>
-            <a:grpFill/>
-            <a:ln>
-              <a:noFill/>
-            </a:ln>
-          </p:spPr>
-          <p:style>
-            <a:lnRef idx="2">
-              <a:schemeClr val="accent1">
-                <a:shade val="50000"/>
-              </a:schemeClr>
-            </a:lnRef>
-            <a:fillRef idx="1">
-              <a:schemeClr val="accent1"/>
-            </a:fillRef>
-            <a:effectRef idx="0">
-              <a:schemeClr val="accent1"/>
-            </a:effectRef>
-            <a:fontRef idx="minor">
-              <a:schemeClr val="lt1"/>
-            </a:fontRef>
-          </p:style>
-          <p:txBody>
-            <a:bodyPr rtlCol="0" anchor="ctr"/>
-            <a:lstStyle/>
-            <a:p>
-              <a:pPr algn="ctr"/>
-              <a:endParaRPr kumimoji="1" lang="ja-JP" altLang="en-US"/>
-            </a:p>
-          </p:txBody>
-        </p:sp>
-      </p:grpSp>
     </p:spTree>
     <p:extLst>
       <p:ext uri="{BB962C8B-B14F-4D97-AF65-F5344CB8AC3E}">
